--- a/Connectedness of Agents/Powerpoint/Paper Presentation - Landon Shumway.pptx
+++ b/Connectedness of Agents/Powerpoint/Paper Presentation - Landon Shumway.pptx
@@ -24,16 +24,15 @@
     <p:sldId id="277" r:id="rId18"/>
     <p:sldId id="278" r:id="rId19"/>
     <p:sldId id="280" r:id="rId20"/>
-    <p:sldId id="281" r:id="rId21"/>
-    <p:sldId id="282" r:id="rId22"/>
-    <p:sldId id="283" r:id="rId23"/>
-    <p:sldId id="284" r:id="rId24"/>
-    <p:sldId id="289" r:id="rId25"/>
-    <p:sldId id="285" r:id="rId26"/>
-    <p:sldId id="286" r:id="rId27"/>
-    <p:sldId id="287" r:id="rId28"/>
-    <p:sldId id="263" r:id="rId29"/>
-    <p:sldId id="288" r:id="rId30"/>
+    <p:sldId id="282" r:id="rId21"/>
+    <p:sldId id="283" r:id="rId22"/>
+    <p:sldId id="284" r:id="rId23"/>
+    <p:sldId id="289" r:id="rId24"/>
+    <p:sldId id="285" r:id="rId25"/>
+    <p:sldId id="286" r:id="rId26"/>
+    <p:sldId id="287" r:id="rId27"/>
+    <p:sldId id="263" r:id="rId28"/>
+    <p:sldId id="288" r:id="rId29"/>
   </p:sldIdLst>
   <p:sldSz cx="12192000" cy="6858000"/>
   <p:notesSz cx="6858000" cy="9144000"/>
@@ -153,7 +152,7 @@
   <pc:docChgLst>
     <pc:chgData name="Landon Shumway" userId="e3de340d-d4a6-4ab8-87bd-3eed0f28cea0" providerId="ADAL" clId="{569D5124-2900-456B-B45A-163371A31CF0}"/>
     <pc:docChg chg="undo redo custSel addSld delSld modSld sldOrd">
-      <pc:chgData name="Landon Shumway" userId="e3de340d-d4a6-4ab8-87bd-3eed0f28cea0" providerId="ADAL" clId="{569D5124-2900-456B-B45A-163371A31CF0}" dt="2024-03-16T20:46:20.421" v="12503" actId="167"/>
+      <pc:chgData name="Landon Shumway" userId="e3de340d-d4a6-4ab8-87bd-3eed0f28cea0" providerId="ADAL" clId="{569D5124-2900-456B-B45A-163371A31CF0}" dt="2024-03-20T17:57:31.638" v="12528" actId="20577"/>
       <pc:docMkLst>
         <pc:docMk/>
       </pc:docMkLst>
@@ -1397,7 +1396,7 @@
         </pc:sldMkLst>
       </pc:sldChg>
       <pc:sldChg chg="addSp delSp modSp add mod ord">
-        <pc:chgData name="Landon Shumway" userId="e3de340d-d4a6-4ab8-87bd-3eed0f28cea0" providerId="ADAL" clId="{569D5124-2900-456B-B45A-163371A31CF0}" dt="2024-03-16T17:35:01.805" v="8984" actId="20577"/>
+        <pc:chgData name="Landon Shumway" userId="e3de340d-d4a6-4ab8-87bd-3eed0f28cea0" providerId="ADAL" clId="{569D5124-2900-456B-B45A-163371A31CF0}" dt="2024-03-20T17:55:10.751" v="12506" actId="20577"/>
         <pc:sldMkLst>
           <pc:docMk/>
           <pc:sldMk cId="2763340117" sldId="280"/>
@@ -1411,15 +1410,15 @@
           </ac:spMkLst>
         </pc:spChg>
         <pc:spChg chg="mod">
-          <ac:chgData name="Landon Shumway" userId="e3de340d-d4a6-4ab8-87bd-3eed0f28cea0" providerId="ADAL" clId="{569D5124-2900-456B-B45A-163371A31CF0}" dt="2024-03-16T17:33:59.899" v="8955" actId="1076"/>
+          <ac:chgData name="Landon Shumway" userId="e3de340d-d4a6-4ab8-87bd-3eed0f28cea0" providerId="ADAL" clId="{569D5124-2900-456B-B45A-163371A31CF0}" dt="2024-03-20T17:55:10.751" v="12506" actId="20577"/>
           <ac:spMkLst>
             <pc:docMk/>
             <pc:sldMk cId="2763340117" sldId="280"/>
             <ac:spMk id="3" creationId="{A09F623F-057D-8243-EAA2-7F81FB15CA06}"/>
           </ac:spMkLst>
         </pc:spChg>
-        <pc:picChg chg="add mod ord">
-          <ac:chgData name="Landon Shumway" userId="e3de340d-d4a6-4ab8-87bd-3eed0f28cea0" providerId="ADAL" clId="{569D5124-2900-456B-B45A-163371A31CF0}" dt="2024-03-16T17:34:04.186" v="8973" actId="1036"/>
+        <pc:picChg chg="add del mod ord">
+          <ac:chgData name="Landon Shumway" userId="e3de340d-d4a6-4ab8-87bd-3eed0f28cea0" providerId="ADAL" clId="{569D5124-2900-456B-B45A-163371A31CF0}" dt="2024-03-20T17:55:07.060" v="12505" actId="478"/>
           <ac:picMkLst>
             <pc:docMk/>
             <pc:sldMk cId="2763340117" sldId="280"/>
@@ -1435,8 +1434,8 @@
           </ac:picMkLst>
         </pc:picChg>
       </pc:sldChg>
-      <pc:sldChg chg="add">
-        <pc:chgData name="Landon Shumway" userId="e3de340d-d4a6-4ab8-87bd-3eed0f28cea0" providerId="ADAL" clId="{569D5124-2900-456B-B45A-163371A31CF0}" dt="2024-03-16T17:34:54.542" v="8974" actId="2890"/>
+      <pc:sldChg chg="add del">
+        <pc:chgData name="Landon Shumway" userId="e3de340d-d4a6-4ab8-87bd-3eed0f28cea0" providerId="ADAL" clId="{569D5124-2900-456B-B45A-163371A31CF0}" dt="2024-03-20T17:54:48.420" v="12504" actId="47"/>
         <pc:sldMkLst>
           <pc:docMk/>
           <pc:sldMk cId="2234331500" sldId="281"/>
@@ -1782,7 +1781,7 @@
         </pc:picChg>
       </pc:sldChg>
       <pc:sldChg chg="addSp delSp modSp add mod ord">
-        <pc:chgData name="Landon Shumway" userId="e3de340d-d4a6-4ab8-87bd-3eed0f28cea0" providerId="ADAL" clId="{569D5124-2900-456B-B45A-163371A31CF0}" dt="2024-03-16T19:27:13.072" v="11240" actId="22"/>
+        <pc:chgData name="Landon Shumway" userId="e3de340d-d4a6-4ab8-87bd-3eed0f28cea0" providerId="ADAL" clId="{569D5124-2900-456B-B45A-163371A31CF0}" dt="2024-03-20T17:57:31.638" v="12528" actId="20577"/>
         <pc:sldMkLst>
           <pc:docMk/>
           <pc:sldMk cId="3704528442" sldId="287"/>
@@ -1796,7 +1795,7 @@
           </ac:spMkLst>
         </pc:spChg>
         <pc:spChg chg="mod">
-          <ac:chgData name="Landon Shumway" userId="e3de340d-d4a6-4ab8-87bd-3eed0f28cea0" providerId="ADAL" clId="{569D5124-2900-456B-B45A-163371A31CF0}" dt="2024-03-16T19:01:17.033" v="11222" actId="20577"/>
+          <ac:chgData name="Landon Shumway" userId="e3de340d-d4a6-4ab8-87bd-3eed0f28cea0" providerId="ADAL" clId="{569D5124-2900-456B-B45A-163371A31CF0}" dt="2024-03-20T17:57:31.638" v="12528" actId="20577"/>
           <ac:spMkLst>
             <pc:docMk/>
             <pc:sldMk cId="3704528442" sldId="287"/>
@@ -2314,7 +2313,7 @@
           <a:p>
             <a:fld id="{B0BED240-76CF-0D44-84DD-5FDB6709262F}" type="datetimeFigureOut">
               <a:rPr lang="en-US" smtClean="0"/>
-              <a:t>3/16/2024</a:t>
+              <a:t>3/20/2024</a:t>
             </a:fld>
             <a:endParaRPr lang="en-US"/>
           </a:p>
@@ -2512,7 +2511,7 @@
           <a:p>
             <a:fld id="{B0BED240-76CF-0D44-84DD-5FDB6709262F}" type="datetimeFigureOut">
               <a:rPr lang="en-US" smtClean="0"/>
-              <a:t>3/16/2024</a:t>
+              <a:t>3/20/2024</a:t>
             </a:fld>
             <a:endParaRPr lang="en-US"/>
           </a:p>
@@ -2720,7 +2719,7 @@
           <a:p>
             <a:fld id="{B0BED240-76CF-0D44-84DD-5FDB6709262F}" type="datetimeFigureOut">
               <a:rPr lang="en-US" smtClean="0"/>
-              <a:t>3/16/2024</a:t>
+              <a:t>3/20/2024</a:t>
             </a:fld>
             <a:endParaRPr lang="en-US"/>
           </a:p>
@@ -2918,7 +2917,7 @@
           <a:p>
             <a:fld id="{B0BED240-76CF-0D44-84DD-5FDB6709262F}" type="datetimeFigureOut">
               <a:rPr lang="en-US" smtClean="0"/>
-              <a:t>3/16/2024</a:t>
+              <a:t>3/20/2024</a:t>
             </a:fld>
             <a:endParaRPr lang="en-US"/>
           </a:p>
@@ -3193,7 +3192,7 @@
           <a:p>
             <a:fld id="{B0BED240-76CF-0D44-84DD-5FDB6709262F}" type="datetimeFigureOut">
               <a:rPr lang="en-US" smtClean="0"/>
-              <a:t>3/16/2024</a:t>
+              <a:t>3/20/2024</a:t>
             </a:fld>
             <a:endParaRPr lang="en-US"/>
           </a:p>
@@ -3458,7 +3457,7 @@
           <a:p>
             <a:fld id="{B0BED240-76CF-0D44-84DD-5FDB6709262F}" type="datetimeFigureOut">
               <a:rPr lang="en-US" smtClean="0"/>
-              <a:t>3/16/2024</a:t>
+              <a:t>3/20/2024</a:t>
             </a:fld>
             <a:endParaRPr lang="en-US"/>
           </a:p>
@@ -3870,7 +3869,7 @@
           <a:p>
             <a:fld id="{B0BED240-76CF-0D44-84DD-5FDB6709262F}" type="datetimeFigureOut">
               <a:rPr lang="en-US" smtClean="0"/>
-              <a:t>3/16/2024</a:t>
+              <a:t>3/20/2024</a:t>
             </a:fld>
             <a:endParaRPr lang="en-US"/>
           </a:p>
@@ -4011,7 +4010,7 @@
           <a:p>
             <a:fld id="{B0BED240-76CF-0D44-84DD-5FDB6709262F}" type="datetimeFigureOut">
               <a:rPr lang="en-US" smtClean="0"/>
-              <a:t>3/16/2024</a:t>
+              <a:t>3/20/2024</a:t>
             </a:fld>
             <a:endParaRPr lang="en-US"/>
           </a:p>
@@ -4124,7 +4123,7 @@
           <a:p>
             <a:fld id="{B0BED240-76CF-0D44-84DD-5FDB6709262F}" type="datetimeFigureOut">
               <a:rPr lang="en-US" smtClean="0"/>
-              <a:t>3/16/2024</a:t>
+              <a:t>3/20/2024</a:t>
             </a:fld>
             <a:endParaRPr lang="en-US"/>
           </a:p>
@@ -4435,7 +4434,7 @@
           <a:p>
             <a:fld id="{B0BED240-76CF-0D44-84DD-5FDB6709262F}" type="datetimeFigureOut">
               <a:rPr lang="en-US" smtClean="0"/>
-              <a:t>3/16/2024</a:t>
+              <a:t>3/20/2024</a:t>
             </a:fld>
             <a:endParaRPr lang="en-US"/>
           </a:p>
@@ -4723,7 +4722,7 @@
           <a:p>
             <a:fld id="{B0BED240-76CF-0D44-84DD-5FDB6709262F}" type="datetimeFigureOut">
               <a:rPr lang="en-US" smtClean="0"/>
-              <a:t>3/16/2024</a:t>
+              <a:t>3/20/2024</a:t>
             </a:fld>
             <a:endParaRPr lang="en-US"/>
           </a:p>
@@ -4964,7 +4963,7 @@
           <a:p>
             <a:fld id="{B0BED240-76CF-0D44-84DD-5FDB6709262F}" type="datetimeFigureOut">
               <a:rPr lang="en-US" smtClean="0"/>
-              <a:t>3/16/2024</a:t>
+              <a:t>3/20/2024</a:t>
             </a:fld>
             <a:endParaRPr lang="en-US"/>
           </a:p>
@@ -6850,36 +6849,6 @@
           <a:chExt cx="0" cy="0"/>
         </a:xfrm>
       </p:grpSpPr>
-      <p:pic>
-        <p:nvPicPr>
-          <p:cNvPr id="5" name="Picture 4">
-            <a:extLst>
-              <a:ext uri="{FF2B5EF4-FFF2-40B4-BE49-F238E27FC236}">
-                <a16:creationId xmlns:a16="http://schemas.microsoft.com/office/drawing/2014/main" id="{81FC5297-5B54-3752-B11B-E4AEE0F899ED}"/>
-              </a:ext>
-            </a:extLst>
-          </p:cNvPr>
-          <p:cNvPicPr>
-            <a:picLocks noChangeAspect="1"/>
-          </p:cNvPicPr>
-          <p:nvPr/>
-        </p:nvPicPr>
-        <p:blipFill>
-          <a:blip r:embed="rId2"/>
-          <a:stretch>
-            <a:fillRect/>
-          </a:stretch>
-        </p:blipFill>
-        <p:spPr>
-          <a:xfrm>
-            <a:off x="1327605" y="4278984"/>
-            <a:ext cx="9270836" cy="2452427"/>
-          </a:xfrm>
-          <a:prstGeom prst="rect">
-            <a:avLst/>
-          </a:prstGeom>
-        </p:spPr>
-      </p:pic>
       <p:sp>
         <p:nvSpPr>
           <p:cNvPr id="2" name="Title 1">
@@ -6963,21 +6932,6 @@
             <a:r>
               <a:rPr lang="en-US" dirty="0"/>
               <a:t>Agents share the same coordinate system</a:t>
-            </a:r>
-          </a:p>
-          <a:p>
-            <a:pPr marL="0" indent="0">
-              <a:buNone/>
-            </a:pPr>
-            <a:endParaRPr lang="en-US" dirty="0"/>
-          </a:p>
-          <a:p>
-            <a:pPr marL="0" indent="0">
-              <a:buNone/>
-            </a:pPr>
-            <a:r>
-              <a:rPr lang="en-US" dirty="0"/>
-              <a:t>Corollary 5.1 (similar to Lemma 3.1)</a:t>
             </a:r>
           </a:p>
         </p:txBody>
@@ -7193,8 +7147,8 @@
         </p:blipFill>
         <p:spPr>
           <a:xfrm>
-            <a:off x="1327605" y="4278984"/>
-            <a:ext cx="9270836" cy="2452427"/>
+            <a:off x="1148701" y="1535785"/>
+            <a:ext cx="8363047" cy="2212288"/>
           </a:xfrm>
           <a:prstGeom prst="rect">
             <a:avLst/>
@@ -7224,7 +7178,7 @@
           <a:p>
             <a:r>
               <a:rPr lang="en-US" dirty="0"/>
-              <a:t>A couple more assumptions</a:t>
+              <a:t>Corollaries 5.1 and 5.2</a:t>
             </a:r>
           </a:p>
         </p:txBody>
@@ -7255,35 +7209,12 @@
           <a:bodyPr/>
           <a:lstStyle/>
           <a:p>
+            <a:pPr marL="0" indent="0">
+              <a:buNone/>
+            </a:pPr>
             <a:r>
               <a:rPr lang="en-US" dirty="0"/>
-              <a:t>The desired graph is a connected spanning graph of the initial graph</a:t>
-            </a:r>
-          </a:p>
-          <a:p>
-            <a:pPr lvl="1"/>
-            <a:r>
-              <a:rPr lang="en-US" dirty="0"/>
-              <a:t>Meaning that all edges in the desired graph already exist in the initial graph</a:t>
-            </a:r>
-          </a:p>
-          <a:p>
-            <a:r>
-              <a:rPr lang="en-US" dirty="0"/>
-              <a:t>The desired graph (which influences the control law) is static </a:t>
-            </a:r>
-          </a:p>
-          <a:p>
-            <a:pPr lvl="1"/>
-            <a:r>
-              <a:rPr lang="en-US" dirty="0"/>
-              <a:t>Only the “desired” edges are used, and those do not go away</a:t>
-            </a:r>
-          </a:p>
-          <a:p>
-            <a:r>
-              <a:rPr lang="en-US" dirty="0"/>
-              <a:t>Agents share the same coordinate system</a:t>
+              <a:t>Corollary 5.1 (similar to Lemma 3.1)</a:t>
             </a:r>
           </a:p>
           <a:p>
@@ -7296,17 +7227,174 @@
             <a:pPr marL="0" indent="0">
               <a:buNone/>
             </a:pPr>
+            <a:endParaRPr lang="en-US" dirty="0"/>
+          </a:p>
+          <a:p>
+            <a:pPr marL="0" indent="0">
+              <a:buNone/>
+            </a:pPr>
+            <a:endParaRPr lang="en-US" dirty="0"/>
+          </a:p>
+          <a:p>
+            <a:pPr marL="0" indent="0">
+              <a:buNone/>
+            </a:pPr>
+            <a:endParaRPr lang="en-US" dirty="0"/>
+          </a:p>
+          <a:p>
+            <a:pPr marL="0" indent="0">
+              <a:buNone/>
+            </a:pPr>
             <a:r>
               <a:rPr lang="en-US" dirty="0"/>
-              <a:t>Corollary 5.1 (similar to Lemma 3.1)</a:t>
-            </a:r>
+              <a:t>Corollary 5.2:</a:t>
+            </a:r>
+          </a:p>
+          <a:p>
+            <a:pPr marL="0" indent="0">
+              <a:buNone/>
+            </a:pPr>
+            <a:endParaRPr lang="en-US" dirty="0"/>
+          </a:p>
+        </p:txBody>
+      </p:sp>
+      <p:pic>
+        <p:nvPicPr>
+          <p:cNvPr id="6" name="Picture 5">
+            <a:extLst>
+              <a:ext uri="{FF2B5EF4-FFF2-40B4-BE49-F238E27FC236}">
+                <a16:creationId xmlns:a16="http://schemas.microsoft.com/office/drawing/2014/main" id="{3F8C62B5-5B47-2DC2-04C7-28106CC2E4AE}"/>
+              </a:ext>
+            </a:extLst>
+          </p:cNvPr>
+          <p:cNvPicPr>
+            <a:picLocks noChangeAspect="1"/>
+          </p:cNvPicPr>
+          <p:nvPr/>
+        </p:nvPicPr>
+        <p:blipFill rotWithShape="1">
+          <a:blip r:embed="rId3"/>
+          <a:srcRect t="4922"/>
+          <a:stretch/>
+        </p:blipFill>
+        <p:spPr>
+          <a:xfrm>
+            <a:off x="1148700" y="4452729"/>
+            <a:ext cx="8243777" cy="1876899"/>
+          </a:xfrm>
+          <a:prstGeom prst="rect">
+            <a:avLst/>
+          </a:prstGeom>
+        </p:spPr>
+      </p:pic>
+      <p:sp>
+        <p:nvSpPr>
+          <p:cNvPr id="7" name="TextBox 6">
+            <a:extLst>
+              <a:ext uri="{FF2B5EF4-FFF2-40B4-BE49-F238E27FC236}">
+                <a16:creationId xmlns:a16="http://schemas.microsoft.com/office/drawing/2014/main" id="{DDC0BF3A-7FE3-2871-BBB5-04850524C1CE}"/>
+              </a:ext>
+            </a:extLst>
+          </p:cNvPr>
+          <p:cNvSpPr txBox="1"/>
+          <p:nvPr/>
+        </p:nvSpPr>
+        <p:spPr>
+          <a:xfrm>
+            <a:off x="9621078" y="1838739"/>
+            <a:ext cx="2315818" cy="2031325"/>
+          </a:xfrm>
+          <a:prstGeom prst="rect">
+            <a:avLst/>
+          </a:prstGeom>
+          <a:noFill/>
+        </p:spPr>
+        <p:txBody>
+          <a:bodyPr wrap="square" rtlCol="0">
+            <a:spAutoFit/>
+          </a:bodyPr>
+          <a:lstStyle/>
+          <a:p>
+            <a:r>
+              <a:rPr lang="en-US" dirty="0">
+                <a:solidFill>
+                  <a:schemeClr val="accent1"/>
+                </a:solidFill>
+              </a:rPr>
+              <a:t>AKA: if the desired graph starts as a spanning graph to the initial proximity </a:t>
+            </a:r>
+            <a:r>
+              <a:rPr lang="en-US" i="1" dirty="0">
+                <a:solidFill>
+                  <a:schemeClr val="accent1"/>
+                </a:solidFill>
+              </a:rPr>
+              <a:t>Δ-</a:t>
+            </a:r>
+            <a:r>
+              <a:rPr lang="en-US" dirty="0">
+                <a:solidFill>
+                  <a:schemeClr val="accent1"/>
+                </a:solidFill>
+              </a:rPr>
+              <a:t>disk graph, then it remains a spanning graph for all future time</a:t>
+            </a:r>
+            <a:endParaRPr lang="en-US" i="1" dirty="0">
+              <a:solidFill>
+                <a:schemeClr val="accent1"/>
+              </a:solidFill>
+            </a:endParaRPr>
+          </a:p>
+        </p:txBody>
+      </p:sp>
+      <p:sp>
+        <p:nvSpPr>
+          <p:cNvPr id="8" name="TextBox 7">
+            <a:extLst>
+              <a:ext uri="{FF2B5EF4-FFF2-40B4-BE49-F238E27FC236}">
+                <a16:creationId xmlns:a16="http://schemas.microsoft.com/office/drawing/2014/main" id="{9FFD530D-DC2A-DD1F-34C4-238DDA95E4B9}"/>
+              </a:ext>
+            </a:extLst>
+          </p:cNvPr>
+          <p:cNvSpPr txBox="1"/>
+          <p:nvPr/>
+        </p:nvSpPr>
+        <p:spPr>
+          <a:xfrm>
+            <a:off x="9621078" y="4452729"/>
+            <a:ext cx="2315818" cy="1477328"/>
+          </a:xfrm>
+          <a:prstGeom prst="rect">
+            <a:avLst/>
+          </a:prstGeom>
+          <a:noFill/>
+        </p:spPr>
+        <p:txBody>
+          <a:bodyPr wrap="square" rtlCol="0">
+            <a:spAutoFit/>
+          </a:bodyPr>
+          <a:lstStyle/>
+          <a:p>
+            <a:r>
+              <a:rPr lang="en-US" dirty="0">
+                <a:solidFill>
+                  <a:schemeClr val="accent1"/>
+                </a:solidFill>
+              </a:rPr>
+              <a:t>AKA: edges that belong to the desired graph are never lost under the proposed control law</a:t>
+            </a:r>
+            <a:endParaRPr lang="en-US" i="1" dirty="0">
+              <a:solidFill>
+                <a:schemeClr val="accent1"/>
+              </a:solidFill>
+            </a:endParaRPr>
           </a:p>
         </p:txBody>
       </p:sp>
     </p:spTree>
     <p:extLst>
       <p:ext uri="{BB962C8B-B14F-4D97-AF65-F5344CB8AC3E}">
-        <p14:creationId xmlns:p14="http://schemas.microsoft.com/office/powerpoint/2010/main" val="2234331500"/>
+        <p14:creationId xmlns:p14="http://schemas.microsoft.com/office/powerpoint/2010/main" val="1090900864"/>
       </p:ext>
     </p:extLst>
   </p:cSld>
@@ -7333,12 +7421,40 @@
           <a:chExt cx="0" cy="0"/>
         </a:xfrm>
       </p:grpSpPr>
+      <p:sp>
+        <p:nvSpPr>
+          <p:cNvPr id="2" name="Title 1">
+            <a:extLst>
+              <a:ext uri="{FF2B5EF4-FFF2-40B4-BE49-F238E27FC236}">
+                <a16:creationId xmlns:a16="http://schemas.microsoft.com/office/drawing/2014/main" id="{C257C25C-B1B9-E692-559A-F39315E30408}"/>
+              </a:ext>
+            </a:extLst>
+          </p:cNvPr>
+          <p:cNvSpPr>
+            <a:spLocks noGrp="1"/>
+          </p:cNvSpPr>
+          <p:nvPr>
+            <p:ph type="title"/>
+          </p:nvPr>
+        </p:nvSpPr>
+        <p:spPr/>
+        <p:txBody>
+          <a:bodyPr/>
+          <a:lstStyle/>
+          <a:p>
+            <a:r>
+              <a:rPr lang="en-US" dirty="0"/>
+              <a:t>But does this converge to the desired formation?</a:t>
+            </a:r>
+          </a:p>
+        </p:txBody>
+      </p:sp>
       <p:pic>
         <p:nvPicPr>
-          <p:cNvPr id="5" name="Picture 4">
-            <a:extLst>
-              <a:ext uri="{FF2B5EF4-FFF2-40B4-BE49-F238E27FC236}">
-                <a16:creationId xmlns:a16="http://schemas.microsoft.com/office/drawing/2014/main" id="{81FC5297-5B54-3752-B11B-E4AEE0F899ED}"/>
+          <p:cNvPr id="11" name="Picture 10">
+            <a:extLst>
+              <a:ext uri="{FF2B5EF4-FFF2-40B4-BE49-F238E27FC236}">
+                <a16:creationId xmlns:a16="http://schemas.microsoft.com/office/drawing/2014/main" id="{76A4EC8B-AFB3-9160-3B86-3B858033BA99}"/>
               </a:ext>
             </a:extLst>
           </p:cNvPr>
@@ -7355,8 +7471,8 @@
         </p:blipFill>
         <p:spPr>
           <a:xfrm>
-            <a:off x="1148701" y="1535785"/>
-            <a:ext cx="8363047" cy="2212288"/>
+            <a:off x="1322173" y="1917376"/>
+            <a:ext cx="8894318" cy="1190810"/>
           </a:xfrm>
           <a:prstGeom prst="rect">
             <a:avLst/>
@@ -7365,10 +7481,10 @@
       </p:pic>
       <p:sp>
         <p:nvSpPr>
-          <p:cNvPr id="2" name="Title 1">
-            <a:extLst>
-              <a:ext uri="{FF2B5EF4-FFF2-40B4-BE49-F238E27FC236}">
-                <a16:creationId xmlns:a16="http://schemas.microsoft.com/office/drawing/2014/main" id="{C257C25C-B1B9-E692-559A-F39315E30408}"/>
+          <p:cNvPr id="12" name="Content Placeholder 2">
+            <a:extLst>
+              <a:ext uri="{FF2B5EF4-FFF2-40B4-BE49-F238E27FC236}">
+                <a16:creationId xmlns:a16="http://schemas.microsoft.com/office/drawing/2014/main" id="{CABA7679-E928-6E12-5A9E-392AA6A3ABA3}"/>
               </a:ext>
             </a:extLst>
           </p:cNvPr>
@@ -7376,41 +7492,13 @@
             <a:spLocks noGrp="1"/>
           </p:cNvSpPr>
           <p:nvPr>
-            <p:ph type="title"/>
-          </p:nvPr>
-        </p:nvSpPr>
-        <p:spPr/>
-        <p:txBody>
-          <a:bodyPr/>
-          <a:lstStyle/>
-          <a:p>
-            <a:r>
-              <a:rPr lang="en-US" dirty="0"/>
-              <a:t>Corollaries 5.1 and 5.2</a:t>
-            </a:r>
-          </a:p>
-        </p:txBody>
-      </p:sp>
-      <p:sp>
-        <p:nvSpPr>
-          <p:cNvPr id="3" name="Content Placeholder 2">
-            <a:extLst>
-              <a:ext uri="{FF2B5EF4-FFF2-40B4-BE49-F238E27FC236}">
-                <a16:creationId xmlns:a16="http://schemas.microsoft.com/office/drawing/2014/main" id="{A09F623F-057D-8243-EAA2-7F81FB15CA06}"/>
-              </a:ext>
-            </a:extLst>
-          </p:cNvPr>
-          <p:cNvSpPr>
-            <a:spLocks noGrp="1"/>
-          </p:cNvSpPr>
-          <p:nvPr>
             <p:ph idx="1"/>
           </p:nvPr>
         </p:nvSpPr>
         <p:spPr>
           <a:xfrm>
-            <a:off x="838200" y="1358486"/>
-            <a:ext cx="10515600" cy="4351338"/>
+            <a:off x="714632" y="3891621"/>
+            <a:ext cx="10515600" cy="1325563"/>
           </a:xfrm>
         </p:spPr>
         <p:txBody>
@@ -7422,187 +7510,15 @@
             </a:pPr>
             <a:r>
               <a:rPr lang="en-US" dirty="0"/>
-              <a:t>Corollary 5.1 (similar to Lemma 3.1)</a:t>
-            </a:r>
-          </a:p>
-          <a:p>
-            <a:pPr marL="0" indent="0">
-              <a:buNone/>
-            </a:pPr>
-            <a:endParaRPr lang="en-US" dirty="0"/>
-          </a:p>
-          <a:p>
-            <a:pPr marL="0" indent="0">
-              <a:buNone/>
-            </a:pPr>
-            <a:endParaRPr lang="en-US" dirty="0"/>
-          </a:p>
-          <a:p>
-            <a:pPr marL="0" indent="0">
-              <a:buNone/>
-            </a:pPr>
-            <a:endParaRPr lang="en-US" dirty="0"/>
-          </a:p>
-          <a:p>
-            <a:pPr marL="0" indent="0">
-              <a:buNone/>
-            </a:pPr>
-            <a:endParaRPr lang="en-US" dirty="0"/>
-          </a:p>
-          <a:p>
-            <a:pPr marL="0" indent="0">
-              <a:buNone/>
-            </a:pPr>
-            <a:r>
-              <a:rPr lang="en-US" dirty="0"/>
-              <a:t>Corollary 5.2:</a:t>
-            </a:r>
-          </a:p>
-          <a:p>
-            <a:pPr marL="0" indent="0">
-              <a:buNone/>
-            </a:pPr>
-            <a:endParaRPr lang="en-US" dirty="0"/>
-          </a:p>
-        </p:txBody>
-      </p:sp>
-      <p:pic>
-        <p:nvPicPr>
-          <p:cNvPr id="6" name="Picture 5">
-            <a:extLst>
-              <a:ext uri="{FF2B5EF4-FFF2-40B4-BE49-F238E27FC236}">
-                <a16:creationId xmlns:a16="http://schemas.microsoft.com/office/drawing/2014/main" id="{3F8C62B5-5B47-2DC2-04C7-28106CC2E4AE}"/>
-              </a:ext>
-            </a:extLst>
-          </p:cNvPr>
-          <p:cNvPicPr>
-            <a:picLocks noChangeAspect="1"/>
-          </p:cNvPicPr>
-          <p:nvPr/>
-        </p:nvPicPr>
-        <p:blipFill rotWithShape="1">
-          <a:blip r:embed="rId3"/>
-          <a:srcRect t="4922"/>
-          <a:stretch/>
-        </p:blipFill>
-        <p:spPr>
-          <a:xfrm>
-            <a:off x="1148700" y="4452729"/>
-            <a:ext cx="8243777" cy="1876899"/>
-          </a:xfrm>
-          <a:prstGeom prst="rect">
-            <a:avLst/>
-          </a:prstGeom>
-        </p:spPr>
-      </p:pic>
-      <p:sp>
-        <p:nvSpPr>
-          <p:cNvPr id="7" name="TextBox 6">
-            <a:extLst>
-              <a:ext uri="{FF2B5EF4-FFF2-40B4-BE49-F238E27FC236}">
-                <a16:creationId xmlns:a16="http://schemas.microsoft.com/office/drawing/2014/main" id="{DDC0BF3A-7FE3-2871-BBB5-04850524C1CE}"/>
-              </a:ext>
-            </a:extLst>
-          </p:cNvPr>
-          <p:cNvSpPr txBox="1"/>
-          <p:nvPr/>
-        </p:nvSpPr>
-        <p:spPr>
-          <a:xfrm>
-            <a:off x="9621078" y="1838739"/>
-            <a:ext cx="2315818" cy="2031325"/>
-          </a:xfrm>
-          <a:prstGeom prst="rect">
-            <a:avLst/>
-          </a:prstGeom>
-          <a:noFill/>
-        </p:spPr>
-        <p:txBody>
-          <a:bodyPr wrap="square" rtlCol="0">
-            <a:spAutoFit/>
-          </a:bodyPr>
-          <a:lstStyle/>
-          <a:p>
-            <a:r>
-              <a:rPr lang="en-US" dirty="0">
-                <a:solidFill>
-                  <a:schemeClr val="accent1"/>
-                </a:solidFill>
-              </a:rPr>
-              <a:t>AKA: if the desired graph starts as a spanning graph to the initial proximity </a:t>
-            </a:r>
-            <a:r>
-              <a:rPr lang="en-US" i="1" dirty="0">
-                <a:solidFill>
-                  <a:schemeClr val="accent1"/>
-                </a:solidFill>
-              </a:rPr>
-              <a:t>Δ-</a:t>
-            </a:r>
-            <a:r>
-              <a:rPr lang="en-US" dirty="0">
-                <a:solidFill>
-                  <a:schemeClr val="accent1"/>
-                </a:solidFill>
-              </a:rPr>
-              <a:t>disk graph, then it remains a spanning graph for all future time</a:t>
-            </a:r>
-            <a:endParaRPr lang="en-US" i="1" dirty="0">
-              <a:solidFill>
-                <a:schemeClr val="accent1"/>
-              </a:solidFill>
-            </a:endParaRPr>
-          </a:p>
-        </p:txBody>
-      </p:sp>
-      <p:sp>
-        <p:nvSpPr>
-          <p:cNvPr id="8" name="TextBox 7">
-            <a:extLst>
-              <a:ext uri="{FF2B5EF4-FFF2-40B4-BE49-F238E27FC236}">
-                <a16:creationId xmlns:a16="http://schemas.microsoft.com/office/drawing/2014/main" id="{9FFD530D-DC2A-DD1F-34C4-238DDA95E4B9}"/>
-              </a:ext>
-            </a:extLst>
-          </p:cNvPr>
-          <p:cNvSpPr txBox="1"/>
-          <p:nvPr/>
-        </p:nvSpPr>
-        <p:spPr>
-          <a:xfrm>
-            <a:off x="9621078" y="4452729"/>
-            <a:ext cx="2315818" cy="1477328"/>
-          </a:xfrm>
-          <a:prstGeom prst="rect">
-            <a:avLst/>
-          </a:prstGeom>
-          <a:noFill/>
-        </p:spPr>
-        <p:txBody>
-          <a:bodyPr wrap="square" rtlCol="0">
-            <a:spAutoFit/>
-          </a:bodyPr>
-          <a:lstStyle/>
-          <a:p>
-            <a:r>
-              <a:rPr lang="en-US" dirty="0">
-                <a:solidFill>
-                  <a:schemeClr val="accent1"/>
-                </a:solidFill>
-              </a:rPr>
-              <a:t>AKA: edges that belong to the desired graph are never lost under the proposed control law</a:t>
-            </a:r>
-            <a:endParaRPr lang="en-US" i="1" dirty="0">
-              <a:solidFill>
-                <a:schemeClr val="accent1"/>
-              </a:solidFill>
-            </a:endParaRPr>
+              <a:t>(Similar proof to Theorem 3.2, which showed asymptotic convergence to the centroid for the rendezvous problem)</a:t>
+            </a:r>
           </a:p>
         </p:txBody>
       </p:sp>
     </p:spTree>
     <p:extLst>
       <p:ext uri="{BB962C8B-B14F-4D97-AF65-F5344CB8AC3E}">
-        <p14:creationId xmlns:p14="http://schemas.microsoft.com/office/powerpoint/2010/main" val="1090900864"/>
+        <p14:creationId xmlns:p14="http://schemas.microsoft.com/office/powerpoint/2010/main" val="1541985516"/>
       </p:ext>
     </p:extLst>
   </p:cSld>
@@ -7634,130 +7550,6 @@
           <p:cNvPr id="2" name="Title 1">
             <a:extLst>
               <a:ext uri="{FF2B5EF4-FFF2-40B4-BE49-F238E27FC236}">
-                <a16:creationId xmlns:a16="http://schemas.microsoft.com/office/drawing/2014/main" id="{C257C25C-B1B9-E692-559A-F39315E30408}"/>
-              </a:ext>
-            </a:extLst>
-          </p:cNvPr>
-          <p:cNvSpPr>
-            <a:spLocks noGrp="1"/>
-          </p:cNvSpPr>
-          <p:nvPr>
-            <p:ph type="title"/>
-          </p:nvPr>
-        </p:nvSpPr>
-        <p:spPr/>
-        <p:txBody>
-          <a:bodyPr/>
-          <a:lstStyle/>
-          <a:p>
-            <a:r>
-              <a:rPr lang="en-US" dirty="0"/>
-              <a:t>But does this converge to the desired formation?</a:t>
-            </a:r>
-          </a:p>
-        </p:txBody>
-      </p:sp>
-      <p:pic>
-        <p:nvPicPr>
-          <p:cNvPr id="11" name="Picture 10">
-            <a:extLst>
-              <a:ext uri="{FF2B5EF4-FFF2-40B4-BE49-F238E27FC236}">
-                <a16:creationId xmlns:a16="http://schemas.microsoft.com/office/drawing/2014/main" id="{76A4EC8B-AFB3-9160-3B86-3B858033BA99}"/>
-              </a:ext>
-            </a:extLst>
-          </p:cNvPr>
-          <p:cNvPicPr>
-            <a:picLocks noChangeAspect="1"/>
-          </p:cNvPicPr>
-          <p:nvPr/>
-        </p:nvPicPr>
-        <p:blipFill>
-          <a:blip r:embed="rId2"/>
-          <a:stretch>
-            <a:fillRect/>
-          </a:stretch>
-        </p:blipFill>
-        <p:spPr>
-          <a:xfrm>
-            <a:off x="1322173" y="1917376"/>
-            <a:ext cx="8894318" cy="1190810"/>
-          </a:xfrm>
-          <a:prstGeom prst="rect">
-            <a:avLst/>
-          </a:prstGeom>
-        </p:spPr>
-      </p:pic>
-      <p:sp>
-        <p:nvSpPr>
-          <p:cNvPr id="12" name="Content Placeholder 2">
-            <a:extLst>
-              <a:ext uri="{FF2B5EF4-FFF2-40B4-BE49-F238E27FC236}">
-                <a16:creationId xmlns:a16="http://schemas.microsoft.com/office/drawing/2014/main" id="{CABA7679-E928-6E12-5A9E-392AA6A3ABA3}"/>
-              </a:ext>
-            </a:extLst>
-          </p:cNvPr>
-          <p:cNvSpPr>
-            <a:spLocks noGrp="1"/>
-          </p:cNvSpPr>
-          <p:nvPr>
-            <p:ph idx="1"/>
-          </p:nvPr>
-        </p:nvSpPr>
-        <p:spPr>
-          <a:xfrm>
-            <a:off x="714632" y="3891621"/>
-            <a:ext cx="10515600" cy="1325563"/>
-          </a:xfrm>
-        </p:spPr>
-        <p:txBody>
-          <a:bodyPr/>
-          <a:lstStyle/>
-          <a:p>
-            <a:pPr marL="0" indent="0">
-              <a:buNone/>
-            </a:pPr>
-            <a:r>
-              <a:rPr lang="en-US" dirty="0"/>
-              <a:t>(Similar proof to Theorem 3.2, which showed asymptotic convergence to the centroid for the rendezvous problem)</a:t>
-            </a:r>
-          </a:p>
-        </p:txBody>
-      </p:sp>
-    </p:spTree>
-    <p:extLst>
-      <p:ext uri="{BB962C8B-B14F-4D97-AF65-F5344CB8AC3E}">
-        <p14:creationId xmlns:p14="http://schemas.microsoft.com/office/powerpoint/2010/main" val="1541985516"/>
-      </p:ext>
-    </p:extLst>
-  </p:cSld>
-  <p:clrMapOvr>
-    <a:masterClrMapping/>
-  </p:clrMapOvr>
-</p:sld>
-</file>
-
-<file path=ppt/slides/slide23.xml><?xml version="1.0" encoding="utf-8"?>
-<p:sld xmlns:a="http://schemas.openxmlformats.org/drawingml/2006/main" xmlns:r="http://schemas.openxmlformats.org/officeDocument/2006/relationships" xmlns:p="http://schemas.openxmlformats.org/presentationml/2006/main">
-  <p:cSld>
-    <p:spTree>
-      <p:nvGrpSpPr>
-        <p:cNvPr id="1" name=""/>
-        <p:cNvGrpSpPr/>
-        <p:nvPr/>
-      </p:nvGrpSpPr>
-      <p:grpSpPr>
-        <a:xfrm>
-          <a:off x="0" y="0"/>
-          <a:ext cx="0" cy="0"/>
-          <a:chOff x="0" y="0"/>
-          <a:chExt cx="0" cy="0"/>
-        </a:xfrm>
-      </p:grpSpPr>
-      <p:sp>
-        <p:nvSpPr>
-          <p:cNvPr id="2" name="Title 1">
-            <a:extLst>
-              <a:ext uri="{FF2B5EF4-FFF2-40B4-BE49-F238E27FC236}">
                 <a16:creationId xmlns:a16="http://schemas.microsoft.com/office/drawing/2014/main" id="{3B1A4628-6B7B-9A7D-8056-331773753D89}"/>
               </a:ext>
             </a:extLst>
@@ -7874,8 +7666,8 @@
           </a:prstGeom>
         </p:spPr>
       </p:pic>
-      <mc:AlternateContent xmlns:mc="http://schemas.openxmlformats.org/markup-compatibility/2006">
-        <mc:Choice xmlns:p14="http://schemas.microsoft.com/office/powerpoint/2010/main" Requires="p14">
+      <mc:AlternateContent xmlns:mc="http://schemas.openxmlformats.org/markup-compatibility/2006" xmlns:p14="http://schemas.microsoft.com/office/powerpoint/2010/main">
+        <mc:Choice Requires="p14">
           <p:contentPart p14:bwMode="auto" r:id="rId5">
             <p14:nvContentPartPr>
               <p14:cNvPr id="8" name="Ink 7">
@@ -7894,7 +7686,7 @@
             </p14:xfrm>
           </p:contentPart>
         </mc:Choice>
-        <mc:Fallback>
+        <mc:Fallback xmlns="">
           <p:pic>
             <p:nvPicPr>
               <p:cNvPr id="8" name="Ink 7">
@@ -7925,8 +7717,8 @@
           </p:pic>
         </mc:Fallback>
       </mc:AlternateContent>
-      <mc:AlternateContent xmlns:mc="http://schemas.openxmlformats.org/markup-compatibility/2006">
-        <mc:Choice xmlns:p14="http://schemas.microsoft.com/office/powerpoint/2010/main" Requires="p14">
+      <mc:AlternateContent xmlns:mc="http://schemas.openxmlformats.org/markup-compatibility/2006" xmlns:p14="http://schemas.microsoft.com/office/powerpoint/2010/main">
+        <mc:Choice Requires="p14">
           <p:contentPart p14:bwMode="auto" r:id="rId7">
             <p14:nvContentPartPr>
               <p14:cNvPr id="9" name="Ink 8">
@@ -7945,7 +7737,7 @@
             </p14:xfrm>
           </p:contentPart>
         </mc:Choice>
-        <mc:Fallback>
+        <mc:Fallback xmlns="">
           <p:pic>
             <p:nvPicPr>
               <p:cNvPr id="9" name="Ink 8">
@@ -8010,8 +7802,8 @@
           </a:prstGeom>
         </p:spPr>
       </p:pic>
-      <mc:AlternateContent xmlns:mc="http://schemas.openxmlformats.org/markup-compatibility/2006">
-        <mc:Choice xmlns:p14="http://schemas.microsoft.com/office/powerpoint/2010/main" Requires="p14">
+      <mc:AlternateContent xmlns:mc="http://schemas.openxmlformats.org/markup-compatibility/2006" xmlns:p14="http://schemas.microsoft.com/office/powerpoint/2010/main">
+        <mc:Choice Requires="p14">
           <p:contentPart p14:bwMode="auto" r:id="rId10">
             <p14:nvContentPartPr>
               <p14:cNvPr id="12" name="Ink 11">
@@ -8030,7 +7822,7 @@
             </p14:xfrm>
           </p:contentPart>
         </mc:Choice>
-        <mc:Fallback>
+        <mc:Fallback xmlns="">
           <p:pic>
             <p:nvPicPr>
               <p:cNvPr id="12" name="Ink 11">
@@ -8061,8 +7853,8 @@
           </p:pic>
         </mc:Fallback>
       </mc:AlternateContent>
-      <mc:AlternateContent xmlns:mc="http://schemas.openxmlformats.org/markup-compatibility/2006">
-        <mc:Choice xmlns:p14="http://schemas.microsoft.com/office/powerpoint/2010/main" Requires="p14">
+      <mc:AlternateContent xmlns:mc="http://schemas.openxmlformats.org/markup-compatibility/2006" xmlns:p14="http://schemas.microsoft.com/office/powerpoint/2010/main">
+        <mc:Choice Requires="p14">
           <p:contentPart p14:bwMode="auto" r:id="rId12">
             <p14:nvContentPartPr>
               <p14:cNvPr id="13" name="Ink 12">
@@ -8081,7 +7873,7 @@
             </p14:xfrm>
           </p:contentPart>
         </mc:Choice>
-        <mc:Fallback>
+        <mc:Fallback xmlns="">
           <p:pic>
             <p:nvPicPr>
               <p:cNvPr id="13" name="Ink 12">
@@ -8112,8 +7904,8 @@
           </p:pic>
         </mc:Fallback>
       </mc:AlternateContent>
-      <mc:AlternateContent xmlns:mc="http://schemas.openxmlformats.org/markup-compatibility/2006">
-        <mc:Choice xmlns:p14="http://schemas.microsoft.com/office/powerpoint/2010/main" Requires="p14">
+      <mc:AlternateContent xmlns:mc="http://schemas.openxmlformats.org/markup-compatibility/2006" xmlns:p14="http://schemas.microsoft.com/office/powerpoint/2010/main">
+        <mc:Choice Requires="p14">
           <p:contentPart p14:bwMode="auto" r:id="rId14">
             <p14:nvContentPartPr>
               <p14:cNvPr id="14" name="Ink 13">
@@ -8132,7 +7924,7 @@
             </p14:xfrm>
           </p:contentPart>
         </mc:Choice>
-        <mc:Fallback>
+        <mc:Fallback xmlns="">
           <p:pic>
             <p:nvPicPr>
               <p:cNvPr id="14" name="Ink 13">
@@ -8163,8 +7955,8 @@
           </p:pic>
         </mc:Fallback>
       </mc:AlternateContent>
-      <mc:AlternateContent xmlns:mc="http://schemas.openxmlformats.org/markup-compatibility/2006">
-        <mc:Choice xmlns:p14="http://schemas.microsoft.com/office/powerpoint/2010/main" Requires="p14">
+      <mc:AlternateContent xmlns:mc="http://schemas.openxmlformats.org/markup-compatibility/2006" xmlns:p14="http://schemas.microsoft.com/office/powerpoint/2010/main">
+        <mc:Choice Requires="p14">
           <p:contentPart p14:bwMode="auto" r:id="rId16">
             <p14:nvContentPartPr>
               <p14:cNvPr id="15" name="Ink 14">
@@ -8183,7 +7975,7 @@
             </p14:xfrm>
           </p:contentPart>
         </mc:Choice>
-        <mc:Fallback>
+        <mc:Fallback xmlns="">
           <p:pic>
             <p:nvPicPr>
               <p:cNvPr id="15" name="Ink 14">
@@ -8257,7 +8049,7 @@
 </p:sld>
 </file>
 
-<file path=ppt/slides/slide24.xml><?xml version="1.0" encoding="utf-8"?>
+<file path=ppt/slides/slide23.xml><?xml version="1.0" encoding="utf-8"?>
 <p:sld xmlns:a="http://schemas.openxmlformats.org/drawingml/2006/main" xmlns:r="http://schemas.openxmlformats.org/officeDocument/2006/relationships" xmlns:p="http://schemas.openxmlformats.org/presentationml/2006/main">
   <p:cSld>
     <p:spTree>
@@ -8345,7 +8137,7 @@
 </p:sld>
 </file>
 
-<file path=ppt/slides/slide25.xml><?xml version="1.0" encoding="utf-8"?>
+<file path=ppt/slides/slide24.xml><?xml version="1.0" encoding="utf-8"?>
 <p:sld xmlns:a="http://schemas.openxmlformats.org/drawingml/2006/main" xmlns:r="http://schemas.openxmlformats.org/officeDocument/2006/relationships" xmlns:p="http://schemas.openxmlformats.org/presentationml/2006/main">
   <p:cSld>
     <p:spTree>
@@ -8458,7 +8250,7 @@
 </p:sld>
 </file>
 
-<file path=ppt/slides/slide26.xml><?xml version="1.0" encoding="utf-8"?>
+<file path=ppt/slides/slide25.xml><?xml version="1.0" encoding="utf-8"?>
 <p:sld xmlns:a="http://schemas.openxmlformats.org/drawingml/2006/main" xmlns:r="http://schemas.openxmlformats.org/officeDocument/2006/relationships" xmlns:p="http://schemas.openxmlformats.org/presentationml/2006/main">
   <p:cSld>
     <p:spTree>
@@ -8728,7 +8520,7 @@
 </p:sld>
 </file>
 
-<file path=ppt/slides/slide27.xml><?xml version="1.0" encoding="utf-8"?>
+<file path=ppt/slides/slide26.xml><?xml version="1.0" encoding="utf-8"?>
 <p:sld xmlns:a="http://schemas.openxmlformats.org/drawingml/2006/main" xmlns:r="http://schemas.openxmlformats.org/officeDocument/2006/relationships" xmlns:p="http://schemas.openxmlformats.org/presentationml/2006/main">
   <p:cSld>
     <p:spTree>
@@ -8818,7 +8610,7 @@
             </a:r>
             <a:r>
               <a:rPr lang="en-US" dirty="0"/>
-              <a:t> – 1 neighbors, and the distance between itself and its furthest neighbor is </a:t>
+              <a:t> – 1 neighbors, and the distance between itself and its furthest neighbor is less than or equal to </a:t>
             </a:r>
             <a:r>
               <a:rPr lang="el-GR" i="1" dirty="0"/>
@@ -9739,7 +9531,7 @@
 </p:sld>
 </file>
 
-<file path=ppt/slides/slide28.xml><?xml version="1.0" encoding="utf-8"?>
+<file path=ppt/slides/slide27.xml><?xml version="1.0" encoding="utf-8"?>
 <p:sld xmlns:a="http://schemas.openxmlformats.org/drawingml/2006/main" xmlns:r="http://schemas.openxmlformats.org/officeDocument/2006/relationships" xmlns:p="http://schemas.openxmlformats.org/presentationml/2006/main">
   <p:cSld>
     <p:spTree>
@@ -9849,7 +9641,7 @@
 </p:sld>
 </file>
 
-<file path=ppt/slides/slide29.xml><?xml version="1.0" encoding="utf-8"?>
+<file path=ppt/slides/slide28.xml><?xml version="1.0" encoding="utf-8"?>
 <p:sld xmlns:a="http://schemas.openxmlformats.org/drawingml/2006/main" xmlns:r="http://schemas.openxmlformats.org/officeDocument/2006/relationships" xmlns:p="http://schemas.openxmlformats.org/presentationml/2006/main">
   <p:cSld>
     <p:spTree>
